--- a/sprint-2/team_review.pptx
+++ b/sprint-2/team_review.pptx
@@ -5,10 +5,15 @@
     <p:sldMasterId id="2147483659" r:id="rId1"/>
   </p:sldMasterIdLst>
   <p:notesMasterIdLst>
-    <p:notesMasterId r:id="rId3"/>
+    <p:notesMasterId r:id="rId8"/>
   </p:notesMasterIdLst>
   <p:sldIdLst>
     <p:sldId id="256" r:id="rId2"/>
+    <p:sldId id="258" r:id="rId3"/>
+    <p:sldId id="257" r:id="rId4"/>
+    <p:sldId id="260" r:id="rId5"/>
+    <p:sldId id="261" r:id="rId6"/>
+    <p:sldId id="259" r:id="rId7"/>
   </p:sldIdLst>
   <p:sldSz cx="9144000" cy="5143500" type="screen16x9"/>
   <p:notesSz cx="6858000" cy="9144000"/>
@@ -5592,7 +5597,7 @@
         </p:spPr>
         <p:txBody>
           <a:bodyPr spcFirstLastPara="1" wrap="square" lIns="91425" tIns="91425" rIns="91425" bIns="91425" anchor="t" anchorCtr="0">
-            <a:normAutofit fontScale="90000"/>
+            <a:normAutofit/>
           </a:bodyPr>
           <a:lstStyle/>
           <a:p>
@@ -5606,10 +5611,10 @@
               <a:buNone/>
             </a:pPr>
             <a:r>
-              <a:rPr lang="en"/>
+              <a:rPr lang="en" sz="2000" b="1" dirty="0"/>
               <a:t>Team Review Meeting</a:t>
             </a:r>
-            <a:endParaRPr/>
+            <a:endParaRPr sz="2000" b="1" dirty="0"/>
           </a:p>
         </p:txBody>
       </p:sp>
@@ -5620,14 +5625,14 @@
           <p:nvPr>
             <p:extLst>
               <p:ext uri="{D42A27DB-BD31-4B8C-83A1-F6EECF244321}">
-                <p14:modId xmlns:p14="http://schemas.microsoft.com/office/powerpoint/2010/main" val="4101107171"/>
+                <p14:modId xmlns:p14="http://schemas.microsoft.com/office/powerpoint/2010/main" val="4280172213"/>
               </p:ext>
             </p:extLst>
           </p:nvPr>
         </p:nvGraphicFramePr>
         <p:xfrm>
-          <a:off x="453482" y="1249375"/>
-          <a:ext cx="8162694" cy="3657540"/>
+          <a:off x="311700" y="845389"/>
+          <a:ext cx="8162694" cy="4206180"/>
         </p:xfrm>
         <a:graphic>
           <a:graphicData uri="http://schemas.openxmlformats.org/drawingml/2006/table">
@@ -5652,7 +5657,7 @@
                   </a:extLst>
                 </a:gridCol>
               </a:tblGrid>
-              <a:tr h="381000">
+              <a:tr h="2526423">
                 <a:tc>
                   <a:txBody>
                     <a:bodyPr/>
@@ -5668,10 +5673,14 @@
                         <a:buNone/>
                       </a:pPr>
                       <a:r>
-                        <a:rPr lang="en" sz="1200" b="1" u="sng" dirty="0"/>
+                        <a:rPr lang="en" sz="1200" b="1" u="none" dirty="0">
+                          <a:latin typeface="+mn-lt"/>
+                        </a:rPr>
                         <a:t>Overview</a:t>
                       </a:r>
-                      <a:endParaRPr sz="1200" dirty="0"/>
+                      <a:endParaRPr sz="1200" u="none" dirty="0">
+                        <a:latin typeface="+mn-lt"/>
+                      </a:endParaRPr>
                     </a:p>
                     <a:p>
                       <a:pPr marL="0" lvl="0" indent="0" algn="l" rtl="0">
@@ -5683,7 +5692,9 @@
                         </a:spcAft>
                         <a:buNone/>
                       </a:pPr>
-                      <a:endParaRPr sz="1200" dirty="0"/>
+                      <a:endParaRPr sz="1200" u="none" dirty="0">
+                        <a:latin typeface="+mn-lt"/>
+                      </a:endParaRPr>
                     </a:p>
                     <a:p>
                       <a:pPr marL="0" lvl="0" indent="0" algn="l" rtl="0">
@@ -5696,10 +5707,14 @@
                         <a:buNone/>
                       </a:pPr>
                       <a:r>
-                        <a:rPr lang="en" sz="1200" dirty="0"/>
-                        <a:t>Sprint:</a:t>
+                        <a:rPr lang="en" sz="1200" u="none" dirty="0">
+                          <a:latin typeface="+mn-lt"/>
+                        </a:rPr>
+                        <a:t>Sprint: 2</a:t>
                       </a:r>
-                      <a:endParaRPr sz="1200" dirty="0"/>
+                      <a:endParaRPr sz="1200" u="none" dirty="0">
+                        <a:latin typeface="+mn-lt"/>
+                      </a:endParaRPr>
                     </a:p>
                     <a:p>
                       <a:pPr marL="0" lvl="0" indent="0" algn="l" rtl="0">
@@ -5712,8 +5727,10 @@
                         <a:buNone/>
                       </a:pPr>
                       <a:r>
-                        <a:rPr lang="en" sz="1200" dirty="0"/>
-                        <a:t>Team #:</a:t>
+                        <a:rPr lang="en" sz="1200" u="none" dirty="0">
+                          <a:latin typeface="+mn-lt"/>
+                        </a:rPr>
+                        <a:t>Team #: 3</a:t>
                       </a:r>
                     </a:p>
                     <a:p>
@@ -5727,222 +5744,110 @@
                         <a:buNone/>
                       </a:pPr>
                       <a:r>
-                        <a:rPr lang="en" sz="1200" dirty="0"/>
-                        <a:t>Team Members:</a:t>
+                        <a:rPr lang="en" sz="1200" u="none" dirty="0">
+                          <a:latin typeface="+mn-lt"/>
+                        </a:rPr>
+                        <a:t>Team Members: </a:t>
                       </a:r>
-                      <a:endParaRPr sz="1200" dirty="0"/>
+                      <a:r>
+                        <a:rPr lang="en-US" sz="1200" b="0" i="0" u="none" strike="noStrike" cap="none" dirty="0">
+                          <a:solidFill>
+                            <a:srgbClr val="000000"/>
+                          </a:solidFill>
+                          <a:latin typeface="+mn-lt"/>
+                          <a:ea typeface="Arial"/>
+                          <a:cs typeface="Arial"/>
+                          <a:sym typeface="Arial"/>
+                        </a:rPr>
+                        <a:t>Alexis, Ben, Dylan, Jonathan, Kevin, Logan</a:t>
+                      </a:r>
+                      <a:endParaRPr sz="1200" u="none" dirty="0">
+                        <a:latin typeface="+mn-lt"/>
+                      </a:endParaRPr>
                     </a:p>
                     <a:p>
-                      <a:pPr marL="0" lvl="0" indent="0" algn="l" rtl="0">
+                      <a:pPr marL="0" marR="0" lvl="0" indent="0" algn="l" defTabSz="914400" rtl="0" eaLnBrk="1" fontAlgn="auto" latinLnBrk="0" hangingPunct="1">
+                        <a:lnSpc>
+                          <a:spcPct val="100000"/>
+                        </a:lnSpc>
                         <a:spcBef>
                           <a:spcPts val="0"/>
                         </a:spcBef>
                         <a:spcAft>
                           <a:spcPts val="0"/>
                         </a:spcAft>
+                        <a:buClr>
+                          <a:srgbClr val="000000"/>
+                        </a:buClr>
+                        <a:buSzTx/>
+                        <a:buFont typeface="Arial"/>
                         <a:buNone/>
+                        <a:tabLst/>
+                        <a:defRPr/>
                       </a:pPr>
                       <a:r>
-                        <a:rPr lang="en" sz="1200"/>
-                        <a:t>Software Title:</a:t>
+                        <a:rPr lang="en" sz="1200" u="none" dirty="0">
+                          <a:latin typeface="+mn-lt"/>
+                        </a:rPr>
+                        <a:t>Software Title: GoalGetter - </a:t>
                       </a:r>
-                      <a:endParaRPr sz="1200" dirty="0"/>
+                      <a:r>
+                        <a:rPr lang="en-US" sz="1200" b="0" i="0" u="none" strike="noStrike" cap="none" dirty="0">
+                          <a:solidFill>
+                            <a:srgbClr val="000000"/>
+                          </a:solidFill>
+                          <a:effectLst/>
+                          <a:latin typeface="+mn-lt"/>
+                          <a:ea typeface="Arial"/>
+                          <a:cs typeface="Arial"/>
+                          <a:sym typeface="Arial"/>
+                        </a:rPr>
+                        <a:t>Make Goals Better</a:t>
+                      </a:r>
+                      <a:endParaRPr sz="1200" u="none" dirty="0">
+                        <a:latin typeface="+mn-lt"/>
+                      </a:endParaRPr>
                     </a:p>
                     <a:p>
-                      <a:pPr marL="0" lvl="0" indent="0" algn="l" rtl="0">
+                      <a:pPr marL="0" marR="0" lvl="0" indent="0" algn="l" defTabSz="914400" rtl="0" eaLnBrk="1" fontAlgn="auto" latinLnBrk="0" hangingPunct="1">
+                        <a:lnSpc>
+                          <a:spcPct val="100000"/>
+                        </a:lnSpc>
                         <a:spcBef>
                           <a:spcPts val="0"/>
                         </a:spcBef>
                         <a:spcAft>
                           <a:spcPts val="0"/>
                         </a:spcAft>
+                        <a:buClr>
+                          <a:srgbClr val="000000"/>
+                        </a:buClr>
+                        <a:buSzTx/>
+                        <a:buFont typeface="Arial"/>
                         <a:buNone/>
+                        <a:tabLst/>
+                        <a:defRPr/>
                       </a:pPr>
                       <a:r>
-                        <a:rPr lang="en" sz="1200" dirty="0"/>
-                        <a:t>Language/Framework/Library:</a:t>
+                        <a:rPr lang="en" sz="1200" u="none" dirty="0">
+                          <a:latin typeface="+mn-lt"/>
+                        </a:rPr>
+                        <a:t>Language/Framework/Library: </a:t>
                       </a:r>
-                    </a:p>
-                    <a:p>
-                      <a:pPr marL="0" lvl="0" indent="0" algn="l" rtl="0">
-                        <a:spcBef>
-                          <a:spcPts val="0"/>
-                        </a:spcBef>
-                        <a:spcAft>
-                          <a:spcPts val="0"/>
-                        </a:spcAft>
-                        <a:buNone/>
-                      </a:pPr>
-                      <a:endParaRPr lang="en-US" sz="1200" dirty="0"/>
-                    </a:p>
-                    <a:p>
-                      <a:pPr marL="0" lvl="0" indent="0" algn="l" rtl="0">
-                        <a:spcBef>
-                          <a:spcPts val="0"/>
-                        </a:spcBef>
-                        <a:spcAft>
-                          <a:spcPts val="0"/>
-                        </a:spcAft>
-                        <a:buNone/>
-                      </a:pPr>
-                      <a:endParaRPr sz="1200" dirty="0"/>
-                    </a:p>
-                  </a:txBody>
-                  <a:tcPr marL="91425" marR="91425" marT="91425" marB="91425"/>
-                </a:tc>
-                <a:tc>
-                  <a:txBody>
-                    <a:bodyPr/>
-                    <a:lstStyle/>
-                    <a:p>
-                      <a:pPr marL="0" lvl="0" indent="0" algn="l" rtl="0">
-                        <a:spcBef>
-                          <a:spcPts val="0"/>
-                        </a:spcBef>
-                        <a:spcAft>
-                          <a:spcPts val="0"/>
-                        </a:spcAft>
-                        <a:buNone/>
-                      </a:pPr>
                       <a:r>
-                        <a:rPr lang="en" sz="1200" b="1" u="sng" dirty="0"/>
-                        <a:t>Accomplishments this Sprint</a:t>
+                        <a:rPr lang="en" sz="1200" b="0" i="0" u="none" strike="noStrike" cap="none" dirty="0">
+                          <a:solidFill>
+                            <a:srgbClr val="000000"/>
+                          </a:solidFill>
+                          <a:latin typeface="+mn-lt"/>
+                          <a:ea typeface="Arial"/>
+                          <a:cs typeface="Arial"/>
+                          <a:sym typeface="Arial"/>
+                        </a:rPr>
+                        <a:t>Unity, C#, VSCode, Jira, GitHub</a:t>
                       </a:r>
-                      <a:endParaRPr sz="1200" b="1" u="sng" dirty="0"/>
-                    </a:p>
-                    <a:p>
-                      <a:pPr marL="0" lvl="0" indent="0" algn="l" rtl="0">
-                        <a:spcBef>
-                          <a:spcPts val="0"/>
-                        </a:spcBef>
-                        <a:spcAft>
-                          <a:spcPts val="0"/>
-                        </a:spcAft>
-                        <a:buNone/>
-                      </a:pPr>
-                      <a:endParaRPr sz="1200" b="1" u="sng" dirty="0"/>
-                    </a:p>
-                    <a:p>
-                      <a:pPr marL="457200" lvl="0" indent="-317500" algn="l" rtl="0">
-                        <a:spcBef>
-                          <a:spcPts val="0"/>
-                        </a:spcBef>
-                        <a:spcAft>
-                          <a:spcPts val="0"/>
-                        </a:spcAft>
-                        <a:buSzPts val="1400"/>
-                        <a:buChar char="●"/>
-                      </a:pPr>
-                      <a:r>
-                        <a:rPr lang="en" sz="1200" dirty="0"/>
-                        <a:t>Item 1</a:t>
-                      </a:r>
-                      <a:endParaRPr sz="1200" dirty="0"/>
-                    </a:p>
-                    <a:p>
-                      <a:pPr marL="457200" lvl="0" indent="-317500" algn="l" rtl="0">
-                        <a:spcBef>
-                          <a:spcPts val="0"/>
-                        </a:spcBef>
-                        <a:spcAft>
-                          <a:spcPts val="0"/>
-                        </a:spcAft>
-                        <a:buSzPts val="1400"/>
-                        <a:buChar char="●"/>
-                      </a:pPr>
-                      <a:r>
-                        <a:rPr lang="en" sz="1200" dirty="0"/>
-                        <a:t>Item 2</a:t>
-                      </a:r>
-                      <a:endParaRPr sz="1200" dirty="0"/>
-                    </a:p>
-                    <a:p>
-                      <a:pPr marL="457200" lvl="0" indent="-317500" algn="l" rtl="0">
-                        <a:spcBef>
-                          <a:spcPts val="0"/>
-                        </a:spcBef>
-                        <a:spcAft>
-                          <a:spcPts val="0"/>
-                        </a:spcAft>
-                        <a:buSzPts val="1400"/>
-                        <a:buChar char="●"/>
-                      </a:pPr>
-                      <a:r>
-                        <a:rPr lang="en" sz="1200" dirty="0"/>
-                        <a:t>Item 3</a:t>
-                      </a:r>
-                      <a:endParaRPr sz="1200" dirty="0"/>
-                    </a:p>
-                    <a:p>
-                      <a:pPr marL="457200" lvl="0" indent="-317500" algn="l" rtl="0">
-                        <a:spcBef>
-                          <a:spcPts val="0"/>
-                        </a:spcBef>
-                        <a:spcAft>
-                          <a:spcPts val="0"/>
-                        </a:spcAft>
-                        <a:buSzPts val="1400"/>
-                        <a:buChar char="●"/>
-                      </a:pPr>
-                      <a:r>
-                        <a:rPr lang="en" sz="1200" dirty="0"/>
-                        <a:t>Item 4</a:t>
-                      </a:r>
-                      <a:endParaRPr sz="1200" dirty="0"/>
-                    </a:p>
-                    <a:p>
-                      <a:pPr marL="457200" lvl="0" indent="-317500" algn="l" rtl="0">
-                        <a:spcBef>
-                          <a:spcPts val="0"/>
-                        </a:spcBef>
-                        <a:spcAft>
-                          <a:spcPts val="0"/>
-                        </a:spcAft>
-                        <a:buSzPts val="1400"/>
-                        <a:buChar char="●"/>
-                      </a:pPr>
-                      <a:r>
-                        <a:rPr lang="en" sz="1200" dirty="0"/>
-                        <a:t>…</a:t>
-                      </a:r>
-                      <a:endParaRPr sz="1200" dirty="0"/>
-                    </a:p>
-                  </a:txBody>
-                  <a:tcPr marL="91425" marR="91425" marT="91425" marB="91425"/>
-                </a:tc>
-                <a:extLst>
-                  <a:ext uri="{0D108BD9-81ED-4DB2-BD59-A6C34878D82A}">
-                    <a16:rowId xmlns:a16="http://schemas.microsoft.com/office/drawing/2014/main" val="10000"/>
-                  </a:ext>
-                </a:extLst>
-              </a:tr>
-              <a:tr h="381000">
-                <a:tc>
-                  <a:txBody>
-                    <a:bodyPr/>
-                    <a:lstStyle/>
-                    <a:p>
-                      <a:pPr marL="0" lvl="0" indent="0" algn="l" rtl="0">
-                        <a:spcBef>
-                          <a:spcPts val="0"/>
-                        </a:spcBef>
-                        <a:spcAft>
-                          <a:spcPts val="0"/>
-                        </a:spcAft>
-                        <a:buNone/>
-                      </a:pPr>
-                      <a:r>
-                        <a:rPr lang="en" sz="1200" b="1" u="sng" dirty="0">
-                          <a:solidFill>
-                            <a:schemeClr val="dk1"/>
-                          </a:solidFill>
-                        </a:rPr>
-                        <a:t>Current Issues</a:t>
-                      </a:r>
-                      <a:endParaRPr sz="1200" b="1" u="sng" dirty="0">
-                        <a:solidFill>
-                          <a:schemeClr val="dk1"/>
-                        </a:solidFill>
+                      <a:endParaRPr lang="en-US" sz="1200" u="none" dirty="0">
+                        <a:latin typeface="+mn-lt"/>
                       </a:endParaRPr>
                     </a:p>
                     <a:p>
@@ -5955,185 +5860,8 @@
                         </a:spcAft>
                         <a:buNone/>
                       </a:pPr>
-                      <a:endParaRPr sz="1200" u="sng" dirty="0">
-                        <a:solidFill>
-                          <a:schemeClr val="dk1"/>
-                        </a:solidFill>
-                      </a:endParaRPr>
-                    </a:p>
-                    <a:p>
-                      <a:pPr marL="457200" lvl="0" indent="-317500" algn="l" rtl="0">
-                        <a:spcBef>
-                          <a:spcPts val="0"/>
-                        </a:spcBef>
-                        <a:spcAft>
-                          <a:spcPts val="0"/>
-                        </a:spcAft>
-                        <a:buClr>
-                          <a:schemeClr val="dk1"/>
-                        </a:buClr>
-                        <a:buSzPts val="1400"/>
-                        <a:buChar char="●"/>
-                      </a:pPr>
-                      <a:r>
-                        <a:rPr lang="en" sz="1200" dirty="0">
-                          <a:solidFill>
-                            <a:schemeClr val="dk1"/>
-                          </a:solidFill>
-                        </a:rPr>
-                        <a:t>Item 1</a:t>
-                      </a:r>
-                      <a:endParaRPr sz="1200" dirty="0">
-                        <a:solidFill>
-                          <a:schemeClr val="dk1"/>
-                        </a:solidFill>
-                      </a:endParaRPr>
-                    </a:p>
-                    <a:p>
-                      <a:pPr marL="457200" lvl="0" indent="-317500" algn="l" rtl="0">
-                        <a:spcBef>
-                          <a:spcPts val="0"/>
-                        </a:spcBef>
-                        <a:spcAft>
-                          <a:spcPts val="0"/>
-                        </a:spcAft>
-                        <a:buClr>
-                          <a:schemeClr val="dk1"/>
-                        </a:buClr>
-                        <a:buSzPts val="1400"/>
-                        <a:buChar char="●"/>
-                      </a:pPr>
-                      <a:r>
-                        <a:rPr lang="en" sz="1200" dirty="0">
-                          <a:solidFill>
-                            <a:schemeClr val="dk1"/>
-                          </a:solidFill>
-                        </a:rPr>
-                        <a:t>Item 2</a:t>
-                      </a:r>
-                      <a:endParaRPr sz="1200" dirty="0">
-                        <a:solidFill>
-                          <a:schemeClr val="dk1"/>
-                        </a:solidFill>
-                      </a:endParaRPr>
-                    </a:p>
-                    <a:p>
-                      <a:pPr marL="457200" lvl="0" indent="-317500" algn="l" rtl="0">
-                        <a:spcBef>
-                          <a:spcPts val="0"/>
-                        </a:spcBef>
-                        <a:spcAft>
-                          <a:spcPts val="0"/>
-                        </a:spcAft>
-                        <a:buClr>
-                          <a:schemeClr val="dk1"/>
-                        </a:buClr>
-                        <a:buSzPts val="1400"/>
-                        <a:buChar char="●"/>
-                      </a:pPr>
-                      <a:r>
-                        <a:rPr lang="en" sz="1200" dirty="0">
-                          <a:solidFill>
-                            <a:schemeClr val="dk1"/>
-                          </a:solidFill>
-                        </a:rPr>
-                        <a:t>Item 3</a:t>
-                      </a:r>
-                      <a:endParaRPr sz="1200" dirty="0">
-                        <a:solidFill>
-                          <a:schemeClr val="dk1"/>
-                        </a:solidFill>
-                      </a:endParaRPr>
-                    </a:p>
-                    <a:p>
-                      <a:pPr marL="457200" lvl="0" indent="-317500" algn="l" rtl="0">
-                        <a:spcBef>
-                          <a:spcPts val="0"/>
-                        </a:spcBef>
-                        <a:spcAft>
-                          <a:spcPts val="0"/>
-                        </a:spcAft>
-                        <a:buClr>
-                          <a:schemeClr val="dk1"/>
-                        </a:buClr>
-                        <a:buSzPts val="1400"/>
-                        <a:buChar char="●"/>
-                      </a:pPr>
-                      <a:r>
-                        <a:rPr lang="en" sz="1200" dirty="0">
-                          <a:solidFill>
-                            <a:schemeClr val="dk1"/>
-                          </a:solidFill>
-                        </a:rPr>
-                        <a:t>Item 4</a:t>
-                      </a:r>
-                      <a:endParaRPr sz="1200" dirty="0">
-                        <a:solidFill>
-                          <a:schemeClr val="dk1"/>
-                        </a:solidFill>
-                      </a:endParaRPr>
-                    </a:p>
-                    <a:p>
-                      <a:pPr marL="457200" lvl="0" indent="-317500" algn="l" rtl="0">
-                        <a:spcBef>
-                          <a:spcPts val="0"/>
-                        </a:spcBef>
-                        <a:spcAft>
-                          <a:spcPts val="0"/>
-                        </a:spcAft>
-                        <a:buClr>
-                          <a:schemeClr val="dk1"/>
-                        </a:buClr>
-                        <a:buSzPts val="1400"/>
-                        <a:buChar char="●"/>
-                      </a:pPr>
-                      <a:r>
-                        <a:rPr lang="en" sz="1200" dirty="0">
-                          <a:solidFill>
-                            <a:schemeClr val="dk1"/>
-                          </a:solidFill>
-                        </a:rPr>
-                        <a:t>…</a:t>
-                      </a:r>
-                    </a:p>
-                    <a:p>
-                      <a:pPr marL="139700" lvl="0" indent="0" algn="l" rtl="0">
-                        <a:spcBef>
-                          <a:spcPts val="0"/>
-                        </a:spcBef>
-                        <a:spcAft>
-                          <a:spcPts val="0"/>
-                        </a:spcAft>
-                        <a:buClr>
-                          <a:schemeClr val="dk1"/>
-                        </a:buClr>
-                        <a:buSzPts val="1400"/>
-                        <a:buNone/>
-                      </a:pPr>
-                      <a:endParaRPr lang="en" sz="1200" dirty="0">
-                        <a:solidFill>
-                          <a:schemeClr val="dk1"/>
-                        </a:solidFill>
-                      </a:endParaRPr>
-                    </a:p>
-                    <a:p>
-                      <a:pPr marL="139700" lvl="0" indent="0" algn="l" rtl="0">
-                        <a:spcBef>
-                          <a:spcPts val="0"/>
-                        </a:spcBef>
-                        <a:spcAft>
-                          <a:spcPts val="0"/>
-                        </a:spcAft>
-                        <a:buClr>
-                          <a:schemeClr val="dk1"/>
-                        </a:buClr>
-                        <a:buSzPts val="1400"/>
-                        <a:buNone/>
-                      </a:pPr>
-                      <a:endParaRPr sz="1200" dirty="0">
-                        <a:solidFill>
-                          <a:schemeClr val="dk1"/>
-                        </a:solidFill>
+                      <a:endParaRPr sz="1200" u="none" dirty="0">
+                        <a:latin typeface="+mn-lt"/>
                       </a:endParaRPr>
                     </a:p>
                   </a:txBody>
@@ -6154,10 +5882,14 @@
                         <a:buNone/>
                       </a:pPr>
                       <a:r>
-                        <a:rPr lang="en" sz="1200" b="1" u="sng" dirty="0"/>
-                        <a:t>Plan for Next Sprint</a:t>
+                        <a:rPr lang="en" sz="1200" b="1" u="none" dirty="0">
+                          <a:latin typeface="+mn-lt"/>
+                        </a:rPr>
+                        <a:t>Accomplishments this Sprint</a:t>
                       </a:r>
-                      <a:endParaRPr sz="1200" b="1" u="sng" dirty="0"/>
+                      <a:endParaRPr sz="1200" b="1" u="none" dirty="0">
+                        <a:latin typeface="+mn-lt"/>
+                      </a:endParaRPr>
                     </a:p>
                     <a:p>
                       <a:pPr marL="0" lvl="0" indent="0" algn="l" rtl="0">
@@ -6169,7 +5901,429 @@
                         </a:spcAft>
                         <a:buNone/>
                       </a:pPr>
-                      <a:endParaRPr sz="1200" b="1" u="sng" dirty="0"/>
+                      <a:endParaRPr sz="1200" b="1" u="none" dirty="0">
+                        <a:latin typeface="+mn-lt"/>
+                      </a:endParaRPr>
+                    </a:p>
+                    <a:p>
+                      <a:pPr marL="457200" lvl="0" indent="-317500" algn="l" rtl="0">
+                        <a:spcBef>
+                          <a:spcPts val="0"/>
+                        </a:spcBef>
+                        <a:spcAft>
+                          <a:spcPts val="0"/>
+                        </a:spcAft>
+                        <a:buSzPts val="1400"/>
+                        <a:buFont typeface="+mj-lt"/>
+                        <a:buAutoNum type="arabicPeriod"/>
+                      </a:pPr>
+                      <a:r>
+                        <a:rPr lang="en-US" sz="1200" u="none" dirty="0">
+                          <a:latin typeface="+mn-lt"/>
+                        </a:rPr>
+                        <a:t>Created two teams, Programming &amp; UI</a:t>
+                      </a:r>
+                      <a:endParaRPr sz="1200" u="none" dirty="0">
+                        <a:latin typeface="+mn-lt"/>
+                      </a:endParaRPr>
+                    </a:p>
+                    <a:p>
+                      <a:pPr marL="457200" lvl="0" indent="-317500" algn="l" rtl="0">
+                        <a:spcBef>
+                          <a:spcPts val="0"/>
+                        </a:spcBef>
+                        <a:spcAft>
+                          <a:spcPts val="0"/>
+                        </a:spcAft>
+                        <a:buSzPts val="1400"/>
+                        <a:buFont typeface="+mj-lt"/>
+                        <a:buAutoNum type="arabicPeriod"/>
+                      </a:pPr>
+                      <a:r>
+                        <a:rPr lang="en-US" sz="1200" u="none" dirty="0">
+                          <a:latin typeface="+mn-lt"/>
+                        </a:rPr>
+                        <a:t>Divvied-up tasks in each of the teams</a:t>
+                      </a:r>
+                      <a:endParaRPr sz="1200" u="none" dirty="0">
+                        <a:latin typeface="+mn-lt"/>
+                      </a:endParaRPr>
+                    </a:p>
+                    <a:p>
+                      <a:pPr marL="457200" lvl="0" indent="-317500" algn="l" rtl="0">
+                        <a:spcBef>
+                          <a:spcPts val="0"/>
+                        </a:spcBef>
+                        <a:spcAft>
+                          <a:spcPts val="0"/>
+                        </a:spcAft>
+                        <a:buSzPts val="1400"/>
+                        <a:buFont typeface="+mj-lt"/>
+                        <a:buAutoNum type="arabicPeriod"/>
+                      </a:pPr>
+                      <a:r>
+                        <a:rPr lang="en-US" sz="1200" u="none" dirty="0">
+                          <a:latin typeface="+mn-lt"/>
+                        </a:rPr>
+                        <a:t>Started individual tasks</a:t>
+                      </a:r>
+                    </a:p>
+                    <a:p>
+                      <a:pPr marL="457200" lvl="0" indent="-317500" algn="l" rtl="0">
+                        <a:spcBef>
+                          <a:spcPts val="0"/>
+                        </a:spcBef>
+                        <a:spcAft>
+                          <a:spcPts val="0"/>
+                        </a:spcAft>
+                        <a:buSzPts val="1400"/>
+                        <a:buFont typeface="+mj-lt"/>
+                        <a:buAutoNum type="arabicPeriod"/>
+                      </a:pPr>
+                      <a:endParaRPr lang="en-US" sz="1200" u="none" dirty="0">
+                        <a:latin typeface="+mn-lt"/>
+                      </a:endParaRPr>
+                    </a:p>
+                    <a:p>
+                      <a:pPr marL="139700" lvl="0" indent="0" algn="l" rtl="0">
+                        <a:spcBef>
+                          <a:spcPts val="0"/>
+                        </a:spcBef>
+                        <a:spcAft>
+                          <a:spcPts val="0"/>
+                        </a:spcAft>
+                        <a:buSzPts val="1400"/>
+                        <a:buFont typeface="+mj-lt"/>
+                        <a:buNone/>
+                      </a:pPr>
+                      <a:r>
+                        <a:rPr lang="en-US" sz="1200" b="1" u="none" dirty="0">
+                          <a:latin typeface="+mn-lt"/>
+                        </a:rPr>
+                        <a:t>Team 1 – Programming</a:t>
+                      </a:r>
+                    </a:p>
+                    <a:p>
+                      <a:pPr marL="311150" lvl="0" indent="-171450" algn="l" rtl="0">
+                        <a:spcBef>
+                          <a:spcPts val="0"/>
+                        </a:spcBef>
+                        <a:spcAft>
+                          <a:spcPts val="0"/>
+                        </a:spcAft>
+                        <a:buSzPts val="1400"/>
+                        <a:buFont typeface="Arial" panose="020B0604020202020204" pitchFamily="34" charset="0"/>
+                        <a:buChar char="•"/>
+                      </a:pPr>
+                      <a:r>
+                        <a:rPr lang="en-US" sz="1200" u="none" dirty="0">
+                          <a:latin typeface="+mn-lt"/>
+                        </a:rPr>
+                        <a:t>Logan</a:t>
+                      </a:r>
+                    </a:p>
+                    <a:p>
+                      <a:pPr marL="311150" lvl="0" indent="-171450" algn="l" rtl="0">
+                        <a:spcBef>
+                          <a:spcPts val="0"/>
+                        </a:spcBef>
+                        <a:spcAft>
+                          <a:spcPts val="0"/>
+                        </a:spcAft>
+                        <a:buSzPts val="1400"/>
+                        <a:buFont typeface="Arial" panose="020B0604020202020204" pitchFamily="34" charset="0"/>
+                        <a:buChar char="•"/>
+                      </a:pPr>
+                      <a:r>
+                        <a:rPr lang="en-US" sz="1200" u="none" dirty="0">
+                          <a:latin typeface="+mn-lt"/>
+                        </a:rPr>
+                        <a:t>Alexis</a:t>
+                      </a:r>
+                    </a:p>
+                    <a:p>
+                      <a:pPr marL="311150" lvl="0" indent="-171450" algn="l" rtl="0">
+                        <a:spcBef>
+                          <a:spcPts val="0"/>
+                        </a:spcBef>
+                        <a:spcAft>
+                          <a:spcPts val="0"/>
+                        </a:spcAft>
+                        <a:buSzPts val="1400"/>
+                        <a:buFont typeface="Arial" panose="020B0604020202020204" pitchFamily="34" charset="0"/>
+                        <a:buChar char="•"/>
+                      </a:pPr>
+                      <a:r>
+                        <a:rPr lang="en-US" sz="1200" u="none" dirty="0">
+                          <a:latin typeface="+mn-lt"/>
+                        </a:rPr>
+                        <a:t>Kevin</a:t>
+                      </a:r>
+                    </a:p>
+                    <a:p>
+                      <a:pPr marL="311150" lvl="0" indent="-171450" algn="l" rtl="0">
+                        <a:spcBef>
+                          <a:spcPts val="0"/>
+                        </a:spcBef>
+                        <a:spcAft>
+                          <a:spcPts val="0"/>
+                        </a:spcAft>
+                        <a:buSzPts val="1400"/>
+                        <a:buFont typeface="Arial" panose="020B0604020202020204" pitchFamily="34" charset="0"/>
+                        <a:buChar char="•"/>
+                      </a:pPr>
+                      <a:endParaRPr lang="en-US" sz="1200" u="none" dirty="0">
+                        <a:latin typeface="+mn-lt"/>
+                      </a:endParaRPr>
+                    </a:p>
+                    <a:p>
+                      <a:pPr marL="139700" lvl="0" indent="0" algn="l" rtl="0">
+                        <a:spcBef>
+                          <a:spcPts val="0"/>
+                        </a:spcBef>
+                        <a:spcAft>
+                          <a:spcPts val="0"/>
+                        </a:spcAft>
+                        <a:buSzPts val="1400"/>
+                        <a:buFont typeface="+mj-lt"/>
+                        <a:buNone/>
+                      </a:pPr>
+                      <a:r>
+                        <a:rPr lang="en-US" sz="1200" b="1" u="none" dirty="0">
+                          <a:latin typeface="+mn-lt"/>
+                        </a:rPr>
+                        <a:t>Team 2 – UI</a:t>
+                      </a:r>
+                    </a:p>
+                    <a:p>
+                      <a:pPr marL="311150" lvl="0" indent="-171450" algn="l" rtl="0">
+                        <a:spcBef>
+                          <a:spcPts val="0"/>
+                        </a:spcBef>
+                        <a:spcAft>
+                          <a:spcPts val="0"/>
+                        </a:spcAft>
+                        <a:buSzPts val="1400"/>
+                        <a:buFont typeface="Arial" panose="020B0604020202020204" pitchFamily="34" charset="0"/>
+                        <a:buChar char="•"/>
+                      </a:pPr>
+                      <a:r>
+                        <a:rPr lang="en-US" sz="1200" u="none" dirty="0">
+                          <a:latin typeface="+mn-lt"/>
+                        </a:rPr>
+                        <a:t>Ben</a:t>
+                      </a:r>
+                    </a:p>
+                    <a:p>
+                      <a:pPr marL="311150" lvl="0" indent="-171450" algn="l" rtl="0">
+                        <a:spcBef>
+                          <a:spcPts val="0"/>
+                        </a:spcBef>
+                        <a:spcAft>
+                          <a:spcPts val="0"/>
+                        </a:spcAft>
+                        <a:buSzPts val="1400"/>
+                        <a:buFont typeface="Arial" panose="020B0604020202020204" pitchFamily="34" charset="0"/>
+                        <a:buChar char="•"/>
+                      </a:pPr>
+                      <a:r>
+                        <a:rPr lang="en-US" sz="1200" u="none" dirty="0">
+                          <a:latin typeface="+mn-lt"/>
+                        </a:rPr>
+                        <a:t>Dylan</a:t>
+                      </a:r>
+                    </a:p>
+                    <a:p>
+                      <a:pPr marL="311150" lvl="0" indent="-171450" algn="l" rtl="0">
+                        <a:spcBef>
+                          <a:spcPts val="0"/>
+                        </a:spcBef>
+                        <a:spcAft>
+                          <a:spcPts val="0"/>
+                        </a:spcAft>
+                        <a:buSzPts val="1400"/>
+                        <a:buFont typeface="Arial" panose="020B0604020202020204" pitchFamily="34" charset="0"/>
+                        <a:buChar char="•"/>
+                      </a:pPr>
+                      <a:r>
+                        <a:rPr lang="en-US" sz="1200" u="none" dirty="0">
+                          <a:latin typeface="+mn-lt"/>
+                        </a:rPr>
+                        <a:t>Jonathan</a:t>
+                      </a:r>
+                    </a:p>
+                  </a:txBody>
+                  <a:tcPr marL="91425" marR="91425" marT="91425" marB="91425"/>
+                </a:tc>
+                <a:extLst>
+                  <a:ext uri="{0D108BD9-81ED-4DB2-BD59-A6C34878D82A}">
+                    <a16:rowId xmlns:a16="http://schemas.microsoft.com/office/drawing/2014/main" val="10000"/>
+                  </a:ext>
+                </a:extLst>
+              </a:tr>
+              <a:tr h="1105296">
+                <a:tc>
+                  <a:txBody>
+                    <a:bodyPr/>
+                    <a:lstStyle/>
+                    <a:p>
+                      <a:pPr marL="0" lvl="0" indent="0" algn="l" rtl="0">
+                        <a:spcBef>
+                          <a:spcPts val="0"/>
+                        </a:spcBef>
+                        <a:spcAft>
+                          <a:spcPts val="0"/>
+                        </a:spcAft>
+                        <a:buNone/>
+                      </a:pPr>
+                      <a:r>
+                        <a:rPr lang="en" sz="1200" b="1" u="none" dirty="0">
+                          <a:solidFill>
+                            <a:schemeClr val="dk1"/>
+                          </a:solidFill>
+                          <a:latin typeface="+mn-lt"/>
+                        </a:rPr>
+                        <a:t>Current Issues</a:t>
+                      </a:r>
+                      <a:endParaRPr sz="1200" b="1" u="none" dirty="0">
+                        <a:solidFill>
+                          <a:schemeClr val="dk1"/>
+                        </a:solidFill>
+                        <a:latin typeface="+mn-lt"/>
+                      </a:endParaRPr>
+                    </a:p>
+                    <a:p>
+                      <a:pPr marL="0" lvl="0" indent="0" algn="l" rtl="0">
+                        <a:spcBef>
+                          <a:spcPts val="0"/>
+                        </a:spcBef>
+                        <a:spcAft>
+                          <a:spcPts val="0"/>
+                        </a:spcAft>
+                        <a:buNone/>
+                      </a:pPr>
+                      <a:endParaRPr sz="1200" u="none" dirty="0">
+                        <a:solidFill>
+                          <a:schemeClr val="dk1"/>
+                        </a:solidFill>
+                        <a:latin typeface="+mn-lt"/>
+                      </a:endParaRPr>
+                    </a:p>
+                    <a:p>
+                      <a:pPr marL="457200" lvl="0" indent="-317500" algn="l" rtl="0">
+                        <a:spcBef>
+                          <a:spcPts val="0"/>
+                        </a:spcBef>
+                        <a:spcAft>
+                          <a:spcPts val="0"/>
+                        </a:spcAft>
+                        <a:buClr>
+                          <a:schemeClr val="dk1"/>
+                        </a:buClr>
+                        <a:buSzPts val="1400"/>
+                        <a:buChar char="●"/>
+                      </a:pPr>
+                      <a:r>
+                        <a:rPr lang="en" sz="1200" u="none" dirty="0">
+                          <a:solidFill>
+                            <a:schemeClr val="dk1"/>
+                          </a:solidFill>
+                          <a:latin typeface="+mn-lt"/>
+                        </a:rPr>
+                        <a:t>Using Unity to collaborate:</a:t>
+                      </a:r>
+                      <a:endParaRPr sz="1200" u="none" dirty="0">
+                        <a:solidFill>
+                          <a:schemeClr val="dk1"/>
+                        </a:solidFill>
+                        <a:latin typeface="+mn-lt"/>
+                      </a:endParaRPr>
+                    </a:p>
+                    <a:p>
+                      <a:pPr marL="457200" lvl="2" indent="-317500" algn="l" rtl="0">
+                        <a:spcBef>
+                          <a:spcPts val="0"/>
+                        </a:spcBef>
+                        <a:spcAft>
+                          <a:spcPts val="0"/>
+                        </a:spcAft>
+                        <a:buClr>
+                          <a:schemeClr val="dk1"/>
+                        </a:buClr>
+                        <a:buSzPts val="1400"/>
+                        <a:buChar char="●"/>
+                      </a:pPr>
+                      <a:r>
+                        <a:rPr lang="en-US" sz="1200" u="none" dirty="0">
+                          <a:solidFill>
+                            <a:schemeClr val="dk1"/>
+                          </a:solidFill>
+                          <a:latin typeface="+mn-lt"/>
+                        </a:rPr>
+                        <a:t>Certain amount of seats allowed, makes collaboration harder</a:t>
+                      </a:r>
+                    </a:p>
+                    <a:p>
+                      <a:pPr marL="457200" lvl="2" indent="-317500" algn="l" rtl="0">
+                        <a:spcBef>
+                          <a:spcPts val="0"/>
+                        </a:spcBef>
+                        <a:spcAft>
+                          <a:spcPts val="0"/>
+                        </a:spcAft>
+                        <a:buClr>
+                          <a:schemeClr val="dk1"/>
+                        </a:buClr>
+                        <a:buSzPts val="1400"/>
+                        <a:buChar char="●"/>
+                      </a:pPr>
+                      <a:endParaRPr sz="1200" u="none" dirty="0">
+                        <a:solidFill>
+                          <a:schemeClr val="dk1"/>
+                        </a:solidFill>
+                        <a:latin typeface="+mn-lt"/>
+                      </a:endParaRPr>
+                    </a:p>
+                  </a:txBody>
+                  <a:tcPr marL="91425" marR="91425" marT="91425" marB="91425"/>
+                </a:tc>
+                <a:tc>
+                  <a:txBody>
+                    <a:bodyPr/>
+                    <a:lstStyle/>
+                    <a:p>
+                      <a:pPr marL="0" lvl="0" indent="0" algn="l" rtl="0">
+                        <a:spcBef>
+                          <a:spcPts val="0"/>
+                        </a:spcBef>
+                        <a:spcAft>
+                          <a:spcPts val="0"/>
+                        </a:spcAft>
+                        <a:buNone/>
+                      </a:pPr>
+                      <a:r>
+                        <a:rPr lang="en" sz="1200" b="1" u="none" dirty="0">
+                          <a:latin typeface="+mn-lt"/>
+                        </a:rPr>
+                        <a:t>Plan for Next Sprint</a:t>
+                      </a:r>
+                      <a:endParaRPr sz="1200" b="1" u="none" dirty="0">
+                        <a:latin typeface="+mn-lt"/>
+                      </a:endParaRPr>
+                    </a:p>
+                    <a:p>
+                      <a:pPr marL="0" lvl="0" indent="0" algn="l" rtl="0">
+                        <a:spcBef>
+                          <a:spcPts val="0"/>
+                        </a:spcBef>
+                        <a:spcAft>
+                          <a:spcPts val="0"/>
+                        </a:spcAft>
+                        <a:buNone/>
+                      </a:pPr>
+                      <a:endParaRPr lang="en-US" sz="1200" b="1" u="none" dirty="0">
+                        <a:latin typeface="+mn-lt"/>
+                      </a:endParaRPr>
                     </a:p>
                     <a:p>
                       <a:pPr marL="457200" lvl="0" indent="-317500" algn="l" rtl="0">
@@ -6183,10 +6337,11 @@
                         <a:buChar char="●"/>
                       </a:pPr>
                       <a:r>
-                        <a:rPr lang="en" sz="1200" dirty="0"/>
-                        <a:t>Item 1</a:t>
+                        <a:rPr lang="pt-BR" sz="1200" u="none" dirty="0">
+                          <a:latin typeface="+mn-lt"/>
+                        </a:rPr>
+                        <a:t>Continue work on splitting-up tasks</a:t>
                       </a:r>
-                      <a:endParaRPr sz="1200" dirty="0"/>
                     </a:p>
                     <a:p>
                       <a:pPr marL="457200" lvl="0" indent="-317500" algn="l" rtl="0">
@@ -6200,10 +6355,11 @@
                         <a:buChar char="●"/>
                       </a:pPr>
                       <a:r>
-                        <a:rPr lang="en" sz="1200" dirty="0"/>
-                        <a:t>Item 2</a:t>
+                        <a:rPr lang="pt-BR" sz="1200" u="none" dirty="0">
+                          <a:latin typeface="+mn-lt"/>
+                        </a:rPr>
+                        <a:t>Goal Database</a:t>
                       </a:r>
-                      <a:endParaRPr sz="1200" dirty="0"/>
                     </a:p>
                     <a:p>
                       <a:pPr marL="457200" lvl="0" indent="-317500" algn="l" rtl="0">
@@ -6217,44 +6373,11 @@
                         <a:buChar char="●"/>
                       </a:pPr>
                       <a:r>
-                        <a:rPr lang="en" sz="1200" dirty="0"/>
-                        <a:t>Item 3</a:t>
+                        <a:rPr lang="pt-BR" sz="1200" u="none" dirty="0">
+                          <a:latin typeface="+mn-lt"/>
+                        </a:rPr>
+                        <a:t>Code improvements</a:t>
                       </a:r>
-                      <a:endParaRPr sz="1200" dirty="0"/>
-                    </a:p>
-                    <a:p>
-                      <a:pPr marL="457200" lvl="0" indent="-317500" algn="l" rtl="0">
-                        <a:spcBef>
-                          <a:spcPts val="0"/>
-                        </a:spcBef>
-                        <a:spcAft>
-                          <a:spcPts val="0"/>
-                        </a:spcAft>
-                        <a:buSzPts val="1400"/>
-                        <a:buChar char="●"/>
-                      </a:pPr>
-                      <a:r>
-                        <a:rPr lang="en" sz="1200" dirty="0"/>
-                        <a:t>Item 4</a:t>
-                      </a:r>
-                      <a:endParaRPr sz="1200" dirty="0"/>
-                    </a:p>
-                    <a:p>
-                      <a:pPr marL="457200" lvl="0" indent="-317500" algn="l" rtl="0">
-                        <a:spcBef>
-                          <a:spcPts val="0"/>
-                        </a:spcBef>
-                        <a:spcAft>
-                          <a:spcPts val="0"/>
-                        </a:spcAft>
-                        <a:buSzPts val="1400"/>
-                        <a:buChar char="●"/>
-                      </a:pPr>
-                      <a:r>
-                        <a:rPr lang="en" sz="1200" dirty="0"/>
-                        <a:t>…</a:t>
-                      </a:r>
-                      <a:endParaRPr sz="1200" dirty="0"/>
                     </a:p>
                   </a:txBody>
                   <a:tcPr marL="91425" marR="91425" marT="91425" marB="91425"/>
@@ -6270,6 +6393,441 @@
         </a:graphic>
       </p:graphicFrame>
     </p:spTree>
+  </p:cSld>
+  <p:clrMapOvr>
+    <a:masterClrMapping/>
+  </p:clrMapOvr>
+</p:sld>
+</file>
+
+<file path=ppt/slides/slide2.xml><?xml version="1.0" encoding="utf-8"?>
+<p:sld xmlns:a="http://schemas.openxmlformats.org/drawingml/2006/main" xmlns:r="http://schemas.openxmlformats.org/officeDocument/2006/relationships" xmlns:p="http://schemas.openxmlformats.org/presentationml/2006/main">
+  <p:cSld>
+    <p:spTree>
+      <p:nvGrpSpPr>
+        <p:cNvPr id="1" name=""/>
+        <p:cNvGrpSpPr/>
+        <p:nvPr/>
+      </p:nvGrpSpPr>
+      <p:grpSpPr>
+        <a:xfrm>
+          <a:off x="0" y="0"/>
+          <a:ext cx="0" cy="0"/>
+          <a:chOff x="0" y="0"/>
+          <a:chExt cx="0" cy="0"/>
+        </a:xfrm>
+      </p:grpSpPr>
+      <p:sp>
+        <p:nvSpPr>
+          <p:cNvPr id="2" name="Title 1">
+            <a:extLst>
+              <a:ext uri="{FF2B5EF4-FFF2-40B4-BE49-F238E27FC236}">
+                <a16:creationId xmlns:a16="http://schemas.microsoft.com/office/drawing/2014/main" id="{ED846A1F-A549-E7F6-6137-0CAD1E4D7CAC}"/>
+              </a:ext>
+            </a:extLst>
+          </p:cNvPr>
+          <p:cNvSpPr>
+            <a:spLocks noGrp="1"/>
+          </p:cNvSpPr>
+          <p:nvPr>
+            <p:ph type="title"/>
+          </p:nvPr>
+        </p:nvSpPr>
+        <p:spPr/>
+        <p:txBody>
+          <a:bodyPr>
+            <a:normAutofit fontScale="90000"/>
+          </a:bodyPr>
+          <a:lstStyle/>
+          <a:p>
+            <a:endParaRPr lang="en-US"/>
+          </a:p>
+        </p:txBody>
+      </p:sp>
+      <p:pic>
+        <p:nvPicPr>
+          <p:cNvPr id="6" name="Picture 5" descr="A video game screen with a star and a city&#10;&#10;Description automatically generated">
+            <a:extLst>
+              <a:ext uri="{FF2B5EF4-FFF2-40B4-BE49-F238E27FC236}">
+                <a16:creationId xmlns:a16="http://schemas.microsoft.com/office/drawing/2014/main" id="{943B2878-D480-0AB8-529F-0C41300ECE05}"/>
+              </a:ext>
+            </a:extLst>
+          </p:cNvPr>
+          <p:cNvPicPr>
+            <a:picLocks noChangeAspect="1"/>
+          </p:cNvPicPr>
+          <p:nvPr/>
+        </p:nvPicPr>
+        <p:blipFill>
+          <a:blip r:embed="rId2"/>
+          <a:stretch>
+            <a:fillRect/>
+          </a:stretch>
+        </p:blipFill>
+        <p:spPr>
+          <a:xfrm>
+            <a:off x="0" y="0"/>
+            <a:ext cx="9144000" cy="5143500"/>
+          </a:xfrm>
+          <a:prstGeom prst="rect">
+            <a:avLst/>
+          </a:prstGeom>
+        </p:spPr>
+      </p:pic>
+    </p:spTree>
+    <p:extLst>
+      <p:ext uri="{BB962C8B-B14F-4D97-AF65-F5344CB8AC3E}">
+        <p14:creationId xmlns:p14="http://schemas.microsoft.com/office/powerpoint/2010/main" val="618084570"/>
+      </p:ext>
+    </p:extLst>
+  </p:cSld>
+  <p:clrMapOvr>
+    <a:masterClrMapping/>
+  </p:clrMapOvr>
+</p:sld>
+</file>
+
+<file path=ppt/slides/slide3.xml><?xml version="1.0" encoding="utf-8"?>
+<p:sld xmlns:a="http://schemas.openxmlformats.org/drawingml/2006/main" xmlns:r="http://schemas.openxmlformats.org/officeDocument/2006/relationships" xmlns:p="http://schemas.openxmlformats.org/presentationml/2006/main">
+  <p:cSld>
+    <p:spTree>
+      <p:nvGrpSpPr>
+        <p:cNvPr id="1" name=""/>
+        <p:cNvGrpSpPr/>
+        <p:nvPr/>
+      </p:nvGrpSpPr>
+      <p:grpSpPr>
+        <a:xfrm>
+          <a:off x="0" y="0"/>
+          <a:ext cx="0" cy="0"/>
+          <a:chOff x="0" y="0"/>
+          <a:chExt cx="0" cy="0"/>
+        </a:xfrm>
+      </p:grpSpPr>
+      <p:sp>
+        <p:nvSpPr>
+          <p:cNvPr id="2" name="Title 1">
+            <a:extLst>
+              <a:ext uri="{FF2B5EF4-FFF2-40B4-BE49-F238E27FC236}">
+                <a16:creationId xmlns:a16="http://schemas.microsoft.com/office/drawing/2014/main" id="{1CBEE885-7A17-247C-9A0D-C3A9534557F8}"/>
+              </a:ext>
+            </a:extLst>
+          </p:cNvPr>
+          <p:cNvSpPr>
+            <a:spLocks noGrp="1"/>
+          </p:cNvSpPr>
+          <p:nvPr>
+            <p:ph type="title"/>
+          </p:nvPr>
+        </p:nvSpPr>
+        <p:spPr/>
+        <p:txBody>
+          <a:bodyPr>
+            <a:normAutofit fontScale="90000"/>
+          </a:bodyPr>
+          <a:lstStyle/>
+          <a:p>
+            <a:endParaRPr lang="en-US"/>
+          </a:p>
+        </p:txBody>
+      </p:sp>
+      <p:pic>
+        <p:nvPicPr>
+          <p:cNvPr id="4" name="Picture 3" descr="A screenshot of a video game&#10;&#10;Description automatically generated">
+            <a:extLst>
+              <a:ext uri="{FF2B5EF4-FFF2-40B4-BE49-F238E27FC236}">
+                <a16:creationId xmlns:a16="http://schemas.microsoft.com/office/drawing/2014/main" id="{F3882194-A585-21FB-3CB7-CE541B9E594C}"/>
+              </a:ext>
+            </a:extLst>
+          </p:cNvPr>
+          <p:cNvPicPr>
+            <a:picLocks noChangeAspect="1"/>
+          </p:cNvPicPr>
+          <p:nvPr/>
+        </p:nvPicPr>
+        <p:blipFill>
+          <a:blip r:embed="rId2"/>
+          <a:stretch>
+            <a:fillRect/>
+          </a:stretch>
+        </p:blipFill>
+        <p:spPr>
+          <a:xfrm>
+            <a:off x="0" y="0"/>
+            <a:ext cx="9144000" cy="5143500"/>
+          </a:xfrm>
+          <a:prstGeom prst="rect">
+            <a:avLst/>
+          </a:prstGeom>
+        </p:spPr>
+      </p:pic>
+    </p:spTree>
+    <p:extLst>
+      <p:ext uri="{BB962C8B-B14F-4D97-AF65-F5344CB8AC3E}">
+        <p14:creationId xmlns:p14="http://schemas.microsoft.com/office/powerpoint/2010/main" val="2789971106"/>
+      </p:ext>
+    </p:extLst>
+  </p:cSld>
+  <p:clrMapOvr>
+    <a:masterClrMapping/>
+  </p:clrMapOvr>
+</p:sld>
+</file>
+
+<file path=ppt/slides/slide4.xml><?xml version="1.0" encoding="utf-8"?>
+<p:sld xmlns:a="http://schemas.openxmlformats.org/drawingml/2006/main" xmlns:r="http://schemas.openxmlformats.org/officeDocument/2006/relationships" xmlns:p="http://schemas.openxmlformats.org/presentationml/2006/main">
+  <p:cSld>
+    <p:spTree>
+      <p:nvGrpSpPr>
+        <p:cNvPr id="1" name=""/>
+        <p:cNvGrpSpPr/>
+        <p:nvPr/>
+      </p:nvGrpSpPr>
+      <p:grpSpPr>
+        <a:xfrm>
+          <a:off x="0" y="0"/>
+          <a:ext cx="0" cy="0"/>
+          <a:chOff x="0" y="0"/>
+          <a:chExt cx="0" cy="0"/>
+        </a:xfrm>
+      </p:grpSpPr>
+      <p:sp>
+        <p:nvSpPr>
+          <p:cNvPr id="2" name="Title 1">
+            <a:extLst>
+              <a:ext uri="{FF2B5EF4-FFF2-40B4-BE49-F238E27FC236}">
+                <a16:creationId xmlns:a16="http://schemas.microsoft.com/office/drawing/2014/main" id="{7A14F198-107E-9C1D-DEBE-AA51479047C7}"/>
+              </a:ext>
+            </a:extLst>
+          </p:cNvPr>
+          <p:cNvSpPr>
+            <a:spLocks noGrp="1"/>
+          </p:cNvSpPr>
+          <p:nvPr>
+            <p:ph type="title"/>
+          </p:nvPr>
+        </p:nvSpPr>
+        <p:spPr/>
+        <p:txBody>
+          <a:bodyPr>
+            <a:normAutofit fontScale="90000"/>
+          </a:bodyPr>
+          <a:lstStyle/>
+          <a:p>
+            <a:endParaRPr lang="en-US"/>
+          </a:p>
+        </p:txBody>
+      </p:sp>
+      <p:pic>
+        <p:nvPicPr>
+          <p:cNvPr id="4" name="Picture 3" descr="A screenshot of a computer&#10;&#10;Description automatically generated">
+            <a:extLst>
+              <a:ext uri="{FF2B5EF4-FFF2-40B4-BE49-F238E27FC236}">
+                <a16:creationId xmlns:a16="http://schemas.microsoft.com/office/drawing/2014/main" id="{6DB63A2B-30EC-70AC-0FA7-662CD9EA69D3}"/>
+              </a:ext>
+            </a:extLst>
+          </p:cNvPr>
+          <p:cNvPicPr>
+            <a:picLocks noChangeAspect="1"/>
+          </p:cNvPicPr>
+          <p:nvPr/>
+        </p:nvPicPr>
+        <p:blipFill>
+          <a:blip r:embed="rId2"/>
+          <a:stretch>
+            <a:fillRect/>
+          </a:stretch>
+        </p:blipFill>
+        <p:spPr>
+          <a:xfrm>
+            <a:off x="0" y="0"/>
+            <a:ext cx="9144000" cy="5143500"/>
+          </a:xfrm>
+          <a:prstGeom prst="rect">
+            <a:avLst/>
+          </a:prstGeom>
+        </p:spPr>
+      </p:pic>
+    </p:spTree>
+    <p:extLst>
+      <p:ext uri="{BB962C8B-B14F-4D97-AF65-F5344CB8AC3E}">
+        <p14:creationId xmlns:p14="http://schemas.microsoft.com/office/powerpoint/2010/main" val="2455314708"/>
+      </p:ext>
+    </p:extLst>
+  </p:cSld>
+  <p:clrMapOvr>
+    <a:masterClrMapping/>
+  </p:clrMapOvr>
+</p:sld>
+</file>
+
+<file path=ppt/slides/slide5.xml><?xml version="1.0" encoding="utf-8"?>
+<p:sld xmlns:a="http://schemas.openxmlformats.org/drawingml/2006/main" xmlns:r="http://schemas.openxmlformats.org/officeDocument/2006/relationships" xmlns:p="http://schemas.openxmlformats.org/presentationml/2006/main">
+  <p:cSld>
+    <p:spTree>
+      <p:nvGrpSpPr>
+        <p:cNvPr id="1" name=""/>
+        <p:cNvGrpSpPr/>
+        <p:nvPr/>
+      </p:nvGrpSpPr>
+      <p:grpSpPr>
+        <a:xfrm>
+          <a:off x="0" y="0"/>
+          <a:ext cx="0" cy="0"/>
+          <a:chOff x="0" y="0"/>
+          <a:chExt cx="0" cy="0"/>
+        </a:xfrm>
+      </p:grpSpPr>
+      <p:sp>
+        <p:nvSpPr>
+          <p:cNvPr id="2" name="Title 1">
+            <a:extLst>
+              <a:ext uri="{FF2B5EF4-FFF2-40B4-BE49-F238E27FC236}">
+                <a16:creationId xmlns:a16="http://schemas.microsoft.com/office/drawing/2014/main" id="{A3188533-7E94-D5DC-D00A-B18C8B300283}"/>
+              </a:ext>
+            </a:extLst>
+          </p:cNvPr>
+          <p:cNvSpPr>
+            <a:spLocks noGrp="1"/>
+          </p:cNvSpPr>
+          <p:nvPr>
+            <p:ph type="title"/>
+          </p:nvPr>
+        </p:nvSpPr>
+        <p:spPr/>
+        <p:txBody>
+          <a:bodyPr>
+            <a:normAutofit fontScale="90000"/>
+          </a:bodyPr>
+          <a:lstStyle/>
+          <a:p>
+            <a:endParaRPr lang="en-US"/>
+          </a:p>
+        </p:txBody>
+      </p:sp>
+      <p:pic>
+        <p:nvPicPr>
+          <p:cNvPr id="4" name="Picture 3" descr="A screenshot of a computer&#10;&#10;Description automatically generated">
+            <a:extLst>
+              <a:ext uri="{FF2B5EF4-FFF2-40B4-BE49-F238E27FC236}">
+                <a16:creationId xmlns:a16="http://schemas.microsoft.com/office/drawing/2014/main" id="{C1BCD10D-198C-CE87-D1FA-A94894C9A773}"/>
+              </a:ext>
+            </a:extLst>
+          </p:cNvPr>
+          <p:cNvPicPr>
+            <a:picLocks noChangeAspect="1"/>
+          </p:cNvPicPr>
+          <p:nvPr/>
+        </p:nvPicPr>
+        <p:blipFill>
+          <a:blip r:embed="rId2"/>
+          <a:stretch>
+            <a:fillRect/>
+          </a:stretch>
+        </p:blipFill>
+        <p:spPr>
+          <a:xfrm>
+            <a:off x="0" y="0"/>
+            <a:ext cx="9144000" cy="5143500"/>
+          </a:xfrm>
+          <a:prstGeom prst="rect">
+            <a:avLst/>
+          </a:prstGeom>
+        </p:spPr>
+      </p:pic>
+    </p:spTree>
+    <p:extLst>
+      <p:ext uri="{BB962C8B-B14F-4D97-AF65-F5344CB8AC3E}">
+        <p14:creationId xmlns:p14="http://schemas.microsoft.com/office/powerpoint/2010/main" val="139715642"/>
+      </p:ext>
+    </p:extLst>
+  </p:cSld>
+  <p:clrMapOvr>
+    <a:masterClrMapping/>
+  </p:clrMapOvr>
+</p:sld>
+</file>
+
+<file path=ppt/slides/slide6.xml><?xml version="1.0" encoding="utf-8"?>
+<p:sld xmlns:a="http://schemas.openxmlformats.org/drawingml/2006/main" xmlns:r="http://schemas.openxmlformats.org/officeDocument/2006/relationships" xmlns:p="http://schemas.openxmlformats.org/presentationml/2006/main">
+  <p:cSld>
+    <p:spTree>
+      <p:nvGrpSpPr>
+        <p:cNvPr id="1" name=""/>
+        <p:cNvGrpSpPr/>
+        <p:nvPr/>
+      </p:nvGrpSpPr>
+      <p:grpSpPr>
+        <a:xfrm>
+          <a:off x="0" y="0"/>
+          <a:ext cx="0" cy="0"/>
+          <a:chOff x="0" y="0"/>
+          <a:chExt cx="0" cy="0"/>
+        </a:xfrm>
+      </p:grpSpPr>
+      <p:sp>
+        <p:nvSpPr>
+          <p:cNvPr id="2" name="Title 1">
+            <a:extLst>
+              <a:ext uri="{FF2B5EF4-FFF2-40B4-BE49-F238E27FC236}">
+                <a16:creationId xmlns:a16="http://schemas.microsoft.com/office/drawing/2014/main" id="{724DA547-6D1B-1194-F82F-BAF75CF98254}"/>
+              </a:ext>
+            </a:extLst>
+          </p:cNvPr>
+          <p:cNvSpPr>
+            <a:spLocks noGrp="1"/>
+          </p:cNvSpPr>
+          <p:nvPr>
+            <p:ph type="title"/>
+          </p:nvPr>
+        </p:nvSpPr>
+        <p:spPr/>
+        <p:txBody>
+          <a:bodyPr>
+            <a:normAutofit fontScale="90000"/>
+          </a:bodyPr>
+          <a:lstStyle/>
+          <a:p>
+            <a:endParaRPr lang="en-US"/>
+          </a:p>
+        </p:txBody>
+      </p:sp>
+      <p:pic>
+        <p:nvPicPr>
+          <p:cNvPr id="4" name="Picture 3" descr="A screenshot of a computer&#10;&#10;Description automatically generated">
+            <a:extLst>
+              <a:ext uri="{FF2B5EF4-FFF2-40B4-BE49-F238E27FC236}">
+                <a16:creationId xmlns:a16="http://schemas.microsoft.com/office/drawing/2014/main" id="{4D1668EF-C6A0-CA4F-4A8E-B9835191C2DD}"/>
+              </a:ext>
+            </a:extLst>
+          </p:cNvPr>
+          <p:cNvPicPr>
+            <a:picLocks noChangeAspect="1"/>
+          </p:cNvPicPr>
+          <p:nvPr/>
+        </p:nvPicPr>
+        <p:blipFill>
+          <a:blip r:embed="rId2"/>
+          <a:stretch>
+            <a:fillRect/>
+          </a:stretch>
+        </p:blipFill>
+        <p:spPr>
+          <a:xfrm>
+            <a:off x="0" y="0"/>
+            <a:ext cx="9144000" cy="5143500"/>
+          </a:xfrm>
+          <a:prstGeom prst="rect">
+            <a:avLst/>
+          </a:prstGeom>
+        </p:spPr>
+      </p:pic>
+    </p:spTree>
+    <p:extLst>
+      <p:ext uri="{BB962C8B-B14F-4D97-AF65-F5344CB8AC3E}">
+        <p14:creationId xmlns:p14="http://schemas.microsoft.com/office/powerpoint/2010/main" val="3930836512"/>
+      </p:ext>
+    </p:extLst>
   </p:cSld>
   <p:clrMapOvr>
     <a:masterClrMapping/>
